--- a/ppt 16-9/0439.燃烧吧！福音.pptx
+++ b/ppt 16-9/0439.燃烧吧！福音.pptx
@@ -129,7 +129,7 @@
           <p:cNvPr id="2" name="标题 1">
             <a:extLst>
               <a:ext uri="{FF2B5EF4-FFF2-40B4-BE49-F238E27FC236}">
-                <a16:creationId xmlns:a16="http://schemas.microsoft.com/office/drawing/2014/main" id="{B7314246-8A3F-9B9E-AE27-C92AB9696966}"/>
+                <a16:creationId xmlns:a16="http://schemas.microsoft.com/office/drawing/2014/main" id="{46BF3729-4D5B-D585-38BE-6F9730842B02}"/>
               </a:ext>
             </a:extLst>
           </p:cNvPr>
@@ -166,7 +166,7 @@
           <p:cNvPr id="3" name="副标题 2">
             <a:extLst>
               <a:ext uri="{FF2B5EF4-FFF2-40B4-BE49-F238E27FC236}">
-                <a16:creationId xmlns:a16="http://schemas.microsoft.com/office/drawing/2014/main" id="{605AA6AA-02A1-FF69-61B4-339E32672B2A}"/>
+                <a16:creationId xmlns:a16="http://schemas.microsoft.com/office/drawing/2014/main" id="{14393778-D86A-A2F4-31BA-2DF0C462629E}"/>
               </a:ext>
             </a:extLst>
           </p:cNvPr>
@@ -236,7 +236,7 @@
           <p:cNvPr id="4" name="日期占位符 3">
             <a:extLst>
               <a:ext uri="{FF2B5EF4-FFF2-40B4-BE49-F238E27FC236}">
-                <a16:creationId xmlns:a16="http://schemas.microsoft.com/office/drawing/2014/main" id="{CDBFE787-4F2D-6C9B-4739-24BC27722E9B}"/>
+                <a16:creationId xmlns:a16="http://schemas.microsoft.com/office/drawing/2014/main" id="{4F4A192B-05DC-B9E0-5CF8-C50B4E546F62}"/>
               </a:ext>
             </a:extLst>
           </p:cNvPr>
@@ -252,7 +252,7 @@
           <a:bodyPr/>
           <a:lstStyle/>
           <a:p>
-            <a:fld id="{3E9D788A-E74C-40A6-94ED-F3D59C8B0DFD}" type="datetimeFigureOut">
+            <a:fld id="{6CEB75A4-5DF0-4199-B722-80A06F82A31A}" type="datetimeFigureOut">
               <a:rPr lang="zh-CN" altLang="en-US" smtClean="0"/>
               <a:t>2024/3/10</a:t>
             </a:fld>
@@ -265,7 +265,7 @@
           <p:cNvPr id="5" name="页脚占位符 4">
             <a:extLst>
               <a:ext uri="{FF2B5EF4-FFF2-40B4-BE49-F238E27FC236}">
-                <a16:creationId xmlns:a16="http://schemas.microsoft.com/office/drawing/2014/main" id="{E3982176-1355-6B31-1C35-C5C8E4F8323E}"/>
+                <a16:creationId xmlns:a16="http://schemas.microsoft.com/office/drawing/2014/main" id="{4DB03A60-2CB2-FECC-0113-E72DBF0AAF32}"/>
               </a:ext>
             </a:extLst>
           </p:cNvPr>
@@ -290,7 +290,7 @@
           <p:cNvPr id="6" name="灯片编号占位符 5">
             <a:extLst>
               <a:ext uri="{FF2B5EF4-FFF2-40B4-BE49-F238E27FC236}">
-                <a16:creationId xmlns:a16="http://schemas.microsoft.com/office/drawing/2014/main" id="{6C684D27-086F-A000-281F-FB03FCABF545}"/>
+                <a16:creationId xmlns:a16="http://schemas.microsoft.com/office/drawing/2014/main" id="{6AA87C5A-E4FA-3DDA-A718-B2696BE7510F}"/>
               </a:ext>
             </a:extLst>
           </p:cNvPr>
@@ -306,7 +306,7 @@
           <a:bodyPr/>
           <a:lstStyle/>
           <a:p>
-            <a:fld id="{9F540931-1D7B-46A7-BDCC-68162BF643A1}" type="slidenum">
+            <a:fld id="{67BA9074-347D-4A42-9126-DC09D1B2951B}" type="slidenum">
               <a:rPr lang="zh-CN" altLang="en-US" smtClean="0"/>
               <a:t>‹#›</a:t>
             </a:fld>
@@ -317,7 +317,7 @@
     </p:spTree>
     <p:extLst>
       <p:ext uri="{BB962C8B-B14F-4D97-AF65-F5344CB8AC3E}">
-        <p14:creationId xmlns:p14="http://schemas.microsoft.com/office/powerpoint/2010/main" val="4285536161"/>
+        <p14:creationId xmlns:p14="http://schemas.microsoft.com/office/powerpoint/2010/main" val="3810487422"/>
       </p:ext>
     </p:extLst>
   </p:cSld>
@@ -349,7 +349,7 @@
           <p:cNvPr id="2" name="标题 1">
             <a:extLst>
               <a:ext uri="{FF2B5EF4-FFF2-40B4-BE49-F238E27FC236}">
-                <a16:creationId xmlns:a16="http://schemas.microsoft.com/office/drawing/2014/main" id="{2AD0D2B0-6D28-D734-4362-F0525409A9DA}"/>
+                <a16:creationId xmlns:a16="http://schemas.microsoft.com/office/drawing/2014/main" id="{7B3369D8-3C78-6FA8-A86D-9F00EBF63A10}"/>
               </a:ext>
             </a:extLst>
           </p:cNvPr>
@@ -377,7 +377,7 @@
           <p:cNvPr id="3" name="竖排文字占位符 2">
             <a:extLst>
               <a:ext uri="{FF2B5EF4-FFF2-40B4-BE49-F238E27FC236}">
-                <a16:creationId xmlns:a16="http://schemas.microsoft.com/office/drawing/2014/main" id="{D9AABC07-CCDA-A9D2-8C7A-01E9070CB917}"/>
+                <a16:creationId xmlns:a16="http://schemas.microsoft.com/office/drawing/2014/main" id="{AE6A3949-AEB2-3D24-EF62-D77C8BF77400}"/>
               </a:ext>
             </a:extLst>
           </p:cNvPr>
@@ -434,7 +434,7 @@
           <p:cNvPr id="4" name="日期占位符 3">
             <a:extLst>
               <a:ext uri="{FF2B5EF4-FFF2-40B4-BE49-F238E27FC236}">
-                <a16:creationId xmlns:a16="http://schemas.microsoft.com/office/drawing/2014/main" id="{45B6587D-219F-D1E9-9C8B-6120021872DD}"/>
+                <a16:creationId xmlns:a16="http://schemas.microsoft.com/office/drawing/2014/main" id="{A4A9365E-E724-BF83-CFC4-D3D822D4499F}"/>
               </a:ext>
             </a:extLst>
           </p:cNvPr>
@@ -450,7 +450,7 @@
           <a:bodyPr/>
           <a:lstStyle/>
           <a:p>
-            <a:fld id="{3E9D788A-E74C-40A6-94ED-F3D59C8B0DFD}" type="datetimeFigureOut">
+            <a:fld id="{6CEB75A4-5DF0-4199-B722-80A06F82A31A}" type="datetimeFigureOut">
               <a:rPr lang="zh-CN" altLang="en-US" smtClean="0"/>
               <a:t>2024/3/10</a:t>
             </a:fld>
@@ -463,7 +463,7 @@
           <p:cNvPr id="5" name="页脚占位符 4">
             <a:extLst>
               <a:ext uri="{FF2B5EF4-FFF2-40B4-BE49-F238E27FC236}">
-                <a16:creationId xmlns:a16="http://schemas.microsoft.com/office/drawing/2014/main" id="{AC3DAAA1-F607-DDFF-AEC2-C7E15DC7C91E}"/>
+                <a16:creationId xmlns:a16="http://schemas.microsoft.com/office/drawing/2014/main" id="{78833EFC-9417-898B-279C-7D946E224006}"/>
               </a:ext>
             </a:extLst>
           </p:cNvPr>
@@ -488,7 +488,7 @@
           <p:cNvPr id="6" name="灯片编号占位符 5">
             <a:extLst>
               <a:ext uri="{FF2B5EF4-FFF2-40B4-BE49-F238E27FC236}">
-                <a16:creationId xmlns:a16="http://schemas.microsoft.com/office/drawing/2014/main" id="{E8D2EF1B-F793-B5DC-3F18-CD9A3EC24060}"/>
+                <a16:creationId xmlns:a16="http://schemas.microsoft.com/office/drawing/2014/main" id="{E5269F74-94E0-0EF5-17CC-099A65D82F2E}"/>
               </a:ext>
             </a:extLst>
           </p:cNvPr>
@@ -504,7 +504,7 @@
           <a:bodyPr/>
           <a:lstStyle/>
           <a:p>
-            <a:fld id="{9F540931-1D7B-46A7-BDCC-68162BF643A1}" type="slidenum">
+            <a:fld id="{67BA9074-347D-4A42-9126-DC09D1B2951B}" type="slidenum">
               <a:rPr lang="zh-CN" altLang="en-US" smtClean="0"/>
               <a:t>‹#›</a:t>
             </a:fld>
@@ -515,7 +515,7 @@
     </p:spTree>
     <p:extLst>
       <p:ext uri="{BB962C8B-B14F-4D97-AF65-F5344CB8AC3E}">
-        <p14:creationId xmlns:p14="http://schemas.microsoft.com/office/powerpoint/2010/main" val="3989526852"/>
+        <p14:creationId xmlns:p14="http://schemas.microsoft.com/office/powerpoint/2010/main" val="3933731039"/>
       </p:ext>
     </p:extLst>
   </p:cSld>
@@ -547,7 +547,7 @@
           <p:cNvPr id="2" name="竖排标题 1">
             <a:extLst>
               <a:ext uri="{FF2B5EF4-FFF2-40B4-BE49-F238E27FC236}">
-                <a16:creationId xmlns:a16="http://schemas.microsoft.com/office/drawing/2014/main" id="{BA8A091E-D843-7175-A3B1-9FABC5A0AA1E}"/>
+                <a16:creationId xmlns:a16="http://schemas.microsoft.com/office/drawing/2014/main" id="{D3021231-8D06-6584-8DCD-17C1431E2B26}"/>
               </a:ext>
             </a:extLst>
           </p:cNvPr>
@@ -580,7 +580,7 @@
           <p:cNvPr id="3" name="竖排文字占位符 2">
             <a:extLst>
               <a:ext uri="{FF2B5EF4-FFF2-40B4-BE49-F238E27FC236}">
-                <a16:creationId xmlns:a16="http://schemas.microsoft.com/office/drawing/2014/main" id="{1A78190C-DF0F-9F9C-CD71-C6E9121C8C3B}"/>
+                <a16:creationId xmlns:a16="http://schemas.microsoft.com/office/drawing/2014/main" id="{CCA10D84-CC4F-F8B0-C972-76C17B83C117}"/>
               </a:ext>
             </a:extLst>
           </p:cNvPr>
@@ -642,7 +642,7 @@
           <p:cNvPr id="4" name="日期占位符 3">
             <a:extLst>
               <a:ext uri="{FF2B5EF4-FFF2-40B4-BE49-F238E27FC236}">
-                <a16:creationId xmlns:a16="http://schemas.microsoft.com/office/drawing/2014/main" id="{29CDA3EF-82AA-54E5-B65D-095C4E5B04D5}"/>
+                <a16:creationId xmlns:a16="http://schemas.microsoft.com/office/drawing/2014/main" id="{3CCEB73A-2CBF-C7EE-EB03-9746F9A6A867}"/>
               </a:ext>
             </a:extLst>
           </p:cNvPr>
@@ -658,7 +658,7 @@
           <a:bodyPr/>
           <a:lstStyle/>
           <a:p>
-            <a:fld id="{3E9D788A-E74C-40A6-94ED-F3D59C8B0DFD}" type="datetimeFigureOut">
+            <a:fld id="{6CEB75A4-5DF0-4199-B722-80A06F82A31A}" type="datetimeFigureOut">
               <a:rPr lang="zh-CN" altLang="en-US" smtClean="0"/>
               <a:t>2024/3/10</a:t>
             </a:fld>
@@ -671,7 +671,7 @@
           <p:cNvPr id="5" name="页脚占位符 4">
             <a:extLst>
               <a:ext uri="{FF2B5EF4-FFF2-40B4-BE49-F238E27FC236}">
-                <a16:creationId xmlns:a16="http://schemas.microsoft.com/office/drawing/2014/main" id="{773C7F2F-E3D5-80A1-0B82-403EE1CC5454}"/>
+                <a16:creationId xmlns:a16="http://schemas.microsoft.com/office/drawing/2014/main" id="{779CA359-58DE-699E-3B25-7E1B2F111B6E}"/>
               </a:ext>
             </a:extLst>
           </p:cNvPr>
@@ -696,7 +696,7 @@
           <p:cNvPr id="6" name="灯片编号占位符 5">
             <a:extLst>
               <a:ext uri="{FF2B5EF4-FFF2-40B4-BE49-F238E27FC236}">
-                <a16:creationId xmlns:a16="http://schemas.microsoft.com/office/drawing/2014/main" id="{12324670-2E45-95B6-625D-08245AB85F79}"/>
+                <a16:creationId xmlns:a16="http://schemas.microsoft.com/office/drawing/2014/main" id="{327014A0-2282-F816-3077-1D00F3893F4B}"/>
               </a:ext>
             </a:extLst>
           </p:cNvPr>
@@ -712,7 +712,7 @@
           <a:bodyPr/>
           <a:lstStyle/>
           <a:p>
-            <a:fld id="{9F540931-1D7B-46A7-BDCC-68162BF643A1}" type="slidenum">
+            <a:fld id="{67BA9074-347D-4A42-9126-DC09D1B2951B}" type="slidenum">
               <a:rPr lang="zh-CN" altLang="en-US" smtClean="0"/>
               <a:t>‹#›</a:t>
             </a:fld>
@@ -723,7 +723,7 @@
     </p:spTree>
     <p:extLst>
       <p:ext uri="{BB962C8B-B14F-4D97-AF65-F5344CB8AC3E}">
-        <p14:creationId xmlns:p14="http://schemas.microsoft.com/office/powerpoint/2010/main" val="2204450547"/>
+        <p14:creationId xmlns:p14="http://schemas.microsoft.com/office/powerpoint/2010/main" val="3531815253"/>
       </p:ext>
     </p:extLst>
   </p:cSld>
@@ -755,7 +755,7 @@
           <p:cNvPr id="2" name="标题 1">
             <a:extLst>
               <a:ext uri="{FF2B5EF4-FFF2-40B4-BE49-F238E27FC236}">
-                <a16:creationId xmlns:a16="http://schemas.microsoft.com/office/drawing/2014/main" id="{D680D4F4-5F11-1B0B-21C0-395E87C4B5CB}"/>
+                <a16:creationId xmlns:a16="http://schemas.microsoft.com/office/drawing/2014/main" id="{D4F1118D-B27E-46A6-AB38-E44525311C15}"/>
               </a:ext>
             </a:extLst>
           </p:cNvPr>
@@ -783,7 +783,7 @@
           <p:cNvPr id="3" name="内容占位符 2">
             <a:extLst>
               <a:ext uri="{FF2B5EF4-FFF2-40B4-BE49-F238E27FC236}">
-                <a16:creationId xmlns:a16="http://schemas.microsoft.com/office/drawing/2014/main" id="{417BB5D9-2965-CBD6-602F-EA719FE35986}"/>
+                <a16:creationId xmlns:a16="http://schemas.microsoft.com/office/drawing/2014/main" id="{D350B257-6931-DA4C-BBF2-05D93A6B6A49}"/>
               </a:ext>
             </a:extLst>
           </p:cNvPr>
@@ -840,7 +840,7 @@
           <p:cNvPr id="4" name="日期占位符 3">
             <a:extLst>
               <a:ext uri="{FF2B5EF4-FFF2-40B4-BE49-F238E27FC236}">
-                <a16:creationId xmlns:a16="http://schemas.microsoft.com/office/drawing/2014/main" id="{94B48942-9FF6-2D74-3BEC-89426BD30213}"/>
+                <a16:creationId xmlns:a16="http://schemas.microsoft.com/office/drawing/2014/main" id="{DB5936CD-C7B0-48C9-8911-70D8B3C33034}"/>
               </a:ext>
             </a:extLst>
           </p:cNvPr>
@@ -856,7 +856,7 @@
           <a:bodyPr/>
           <a:lstStyle/>
           <a:p>
-            <a:fld id="{3E9D788A-E74C-40A6-94ED-F3D59C8B0DFD}" type="datetimeFigureOut">
+            <a:fld id="{6CEB75A4-5DF0-4199-B722-80A06F82A31A}" type="datetimeFigureOut">
               <a:rPr lang="zh-CN" altLang="en-US" smtClean="0"/>
               <a:t>2024/3/10</a:t>
             </a:fld>
@@ -869,7 +869,7 @@
           <p:cNvPr id="5" name="页脚占位符 4">
             <a:extLst>
               <a:ext uri="{FF2B5EF4-FFF2-40B4-BE49-F238E27FC236}">
-                <a16:creationId xmlns:a16="http://schemas.microsoft.com/office/drawing/2014/main" id="{545DF80C-2C01-2C26-BCAE-4DADAD81531A}"/>
+                <a16:creationId xmlns:a16="http://schemas.microsoft.com/office/drawing/2014/main" id="{EE4FF92C-2C88-FF10-F387-4D055EF9FCD7}"/>
               </a:ext>
             </a:extLst>
           </p:cNvPr>
@@ -894,7 +894,7 @@
           <p:cNvPr id="6" name="灯片编号占位符 5">
             <a:extLst>
               <a:ext uri="{FF2B5EF4-FFF2-40B4-BE49-F238E27FC236}">
-                <a16:creationId xmlns:a16="http://schemas.microsoft.com/office/drawing/2014/main" id="{E5FCA2A6-87BD-25D3-67FB-124C923FFC97}"/>
+                <a16:creationId xmlns:a16="http://schemas.microsoft.com/office/drawing/2014/main" id="{6E91F25D-97C1-C17F-4362-904C231BF5F0}"/>
               </a:ext>
             </a:extLst>
           </p:cNvPr>
@@ -910,7 +910,7 @@
           <a:bodyPr/>
           <a:lstStyle/>
           <a:p>
-            <a:fld id="{9F540931-1D7B-46A7-BDCC-68162BF643A1}" type="slidenum">
+            <a:fld id="{67BA9074-347D-4A42-9126-DC09D1B2951B}" type="slidenum">
               <a:rPr lang="zh-CN" altLang="en-US" smtClean="0"/>
               <a:t>‹#›</a:t>
             </a:fld>
@@ -921,7 +921,7 @@
     </p:spTree>
     <p:extLst>
       <p:ext uri="{BB962C8B-B14F-4D97-AF65-F5344CB8AC3E}">
-        <p14:creationId xmlns:p14="http://schemas.microsoft.com/office/powerpoint/2010/main" val="3722379291"/>
+        <p14:creationId xmlns:p14="http://schemas.microsoft.com/office/powerpoint/2010/main" val="2053958258"/>
       </p:ext>
     </p:extLst>
   </p:cSld>
@@ -953,7 +953,7 @@
           <p:cNvPr id="2" name="标题 1">
             <a:extLst>
               <a:ext uri="{FF2B5EF4-FFF2-40B4-BE49-F238E27FC236}">
-                <a16:creationId xmlns:a16="http://schemas.microsoft.com/office/drawing/2014/main" id="{C5D65810-9194-7BA6-F619-4778E35B9A1E}"/>
+                <a16:creationId xmlns:a16="http://schemas.microsoft.com/office/drawing/2014/main" id="{65038C59-C9EB-37E6-1B19-6C0251DCDDDD}"/>
               </a:ext>
             </a:extLst>
           </p:cNvPr>
@@ -990,7 +990,7 @@
           <p:cNvPr id="3" name="文本占位符 2">
             <a:extLst>
               <a:ext uri="{FF2B5EF4-FFF2-40B4-BE49-F238E27FC236}">
-                <a16:creationId xmlns:a16="http://schemas.microsoft.com/office/drawing/2014/main" id="{2596F89B-960D-DCBB-3111-3BCA59858078}"/>
+                <a16:creationId xmlns:a16="http://schemas.microsoft.com/office/drawing/2014/main" id="{9FAD8E48-9286-190D-F683-251B665D3508}"/>
               </a:ext>
             </a:extLst>
           </p:cNvPr>
@@ -1115,7 +1115,7 @@
           <p:cNvPr id="4" name="日期占位符 3">
             <a:extLst>
               <a:ext uri="{FF2B5EF4-FFF2-40B4-BE49-F238E27FC236}">
-                <a16:creationId xmlns:a16="http://schemas.microsoft.com/office/drawing/2014/main" id="{E4FA86BB-996B-D466-E95A-0D6E72742BA9}"/>
+                <a16:creationId xmlns:a16="http://schemas.microsoft.com/office/drawing/2014/main" id="{258738B6-B494-3B92-2EBA-35718FE2D401}"/>
               </a:ext>
             </a:extLst>
           </p:cNvPr>
@@ -1131,7 +1131,7 @@
           <a:bodyPr/>
           <a:lstStyle/>
           <a:p>
-            <a:fld id="{3E9D788A-E74C-40A6-94ED-F3D59C8B0DFD}" type="datetimeFigureOut">
+            <a:fld id="{6CEB75A4-5DF0-4199-B722-80A06F82A31A}" type="datetimeFigureOut">
               <a:rPr lang="zh-CN" altLang="en-US" smtClean="0"/>
               <a:t>2024/3/10</a:t>
             </a:fld>
@@ -1144,7 +1144,7 @@
           <p:cNvPr id="5" name="页脚占位符 4">
             <a:extLst>
               <a:ext uri="{FF2B5EF4-FFF2-40B4-BE49-F238E27FC236}">
-                <a16:creationId xmlns:a16="http://schemas.microsoft.com/office/drawing/2014/main" id="{9840AD49-1E1A-13EB-74B9-8A31C3561FC9}"/>
+                <a16:creationId xmlns:a16="http://schemas.microsoft.com/office/drawing/2014/main" id="{90EF56B8-B06E-753D-008A-9CF065CBB2BA}"/>
               </a:ext>
             </a:extLst>
           </p:cNvPr>
@@ -1169,7 +1169,7 @@
           <p:cNvPr id="6" name="灯片编号占位符 5">
             <a:extLst>
               <a:ext uri="{FF2B5EF4-FFF2-40B4-BE49-F238E27FC236}">
-                <a16:creationId xmlns:a16="http://schemas.microsoft.com/office/drawing/2014/main" id="{BF5F95A0-CFAE-CBEA-6499-3B5321364AEC}"/>
+                <a16:creationId xmlns:a16="http://schemas.microsoft.com/office/drawing/2014/main" id="{CA1346CA-67C1-D014-5326-85036AA70191}"/>
               </a:ext>
             </a:extLst>
           </p:cNvPr>
@@ -1185,7 +1185,7 @@
           <a:bodyPr/>
           <a:lstStyle/>
           <a:p>
-            <a:fld id="{9F540931-1D7B-46A7-BDCC-68162BF643A1}" type="slidenum">
+            <a:fld id="{67BA9074-347D-4A42-9126-DC09D1B2951B}" type="slidenum">
               <a:rPr lang="zh-CN" altLang="en-US" smtClean="0"/>
               <a:t>‹#›</a:t>
             </a:fld>
@@ -1196,7 +1196,7 @@
     </p:spTree>
     <p:extLst>
       <p:ext uri="{BB962C8B-B14F-4D97-AF65-F5344CB8AC3E}">
-        <p14:creationId xmlns:p14="http://schemas.microsoft.com/office/powerpoint/2010/main" val="3482610349"/>
+        <p14:creationId xmlns:p14="http://schemas.microsoft.com/office/powerpoint/2010/main" val="766028464"/>
       </p:ext>
     </p:extLst>
   </p:cSld>
@@ -1228,7 +1228,7 @@
           <p:cNvPr id="2" name="标题 1">
             <a:extLst>
               <a:ext uri="{FF2B5EF4-FFF2-40B4-BE49-F238E27FC236}">
-                <a16:creationId xmlns:a16="http://schemas.microsoft.com/office/drawing/2014/main" id="{61F63B78-DF15-5347-82D2-50E02A3284C9}"/>
+                <a16:creationId xmlns:a16="http://schemas.microsoft.com/office/drawing/2014/main" id="{78465E08-7705-335A-9309-154C431B19EE}"/>
               </a:ext>
             </a:extLst>
           </p:cNvPr>
@@ -1256,7 +1256,7 @@
           <p:cNvPr id="3" name="内容占位符 2">
             <a:extLst>
               <a:ext uri="{FF2B5EF4-FFF2-40B4-BE49-F238E27FC236}">
-                <a16:creationId xmlns:a16="http://schemas.microsoft.com/office/drawing/2014/main" id="{C65D91B1-0A47-3CD0-C7E1-56152547DB5C}"/>
+                <a16:creationId xmlns:a16="http://schemas.microsoft.com/office/drawing/2014/main" id="{8E81E41C-58FA-FDE0-FEB3-E11A04E7E57E}"/>
               </a:ext>
             </a:extLst>
           </p:cNvPr>
@@ -1318,7 +1318,7 @@
           <p:cNvPr id="4" name="内容占位符 3">
             <a:extLst>
               <a:ext uri="{FF2B5EF4-FFF2-40B4-BE49-F238E27FC236}">
-                <a16:creationId xmlns:a16="http://schemas.microsoft.com/office/drawing/2014/main" id="{A5A9B78F-0AB6-CBBB-6CC1-E5EB9AA88AE0}"/>
+                <a16:creationId xmlns:a16="http://schemas.microsoft.com/office/drawing/2014/main" id="{B4AB2D88-3464-902F-AC4A-87BC15BDD1C3}"/>
               </a:ext>
             </a:extLst>
           </p:cNvPr>
@@ -1380,7 +1380,7 @@
           <p:cNvPr id="5" name="日期占位符 4">
             <a:extLst>
               <a:ext uri="{FF2B5EF4-FFF2-40B4-BE49-F238E27FC236}">
-                <a16:creationId xmlns:a16="http://schemas.microsoft.com/office/drawing/2014/main" id="{9A571684-D99B-2954-0959-B44DC80F73AD}"/>
+                <a16:creationId xmlns:a16="http://schemas.microsoft.com/office/drawing/2014/main" id="{FAF27661-F3C9-CB0C-BBCC-52D7BA4ED652}"/>
               </a:ext>
             </a:extLst>
           </p:cNvPr>
@@ -1396,7 +1396,7 @@
           <a:bodyPr/>
           <a:lstStyle/>
           <a:p>
-            <a:fld id="{3E9D788A-E74C-40A6-94ED-F3D59C8B0DFD}" type="datetimeFigureOut">
+            <a:fld id="{6CEB75A4-5DF0-4199-B722-80A06F82A31A}" type="datetimeFigureOut">
               <a:rPr lang="zh-CN" altLang="en-US" smtClean="0"/>
               <a:t>2024/3/10</a:t>
             </a:fld>
@@ -1409,7 +1409,7 @@
           <p:cNvPr id="6" name="页脚占位符 5">
             <a:extLst>
               <a:ext uri="{FF2B5EF4-FFF2-40B4-BE49-F238E27FC236}">
-                <a16:creationId xmlns:a16="http://schemas.microsoft.com/office/drawing/2014/main" id="{12B93876-DC8C-CEA2-7829-19FA9B6ABD05}"/>
+                <a16:creationId xmlns:a16="http://schemas.microsoft.com/office/drawing/2014/main" id="{8CE794F8-EEB0-1090-DCD2-909676134C2C}"/>
               </a:ext>
             </a:extLst>
           </p:cNvPr>
@@ -1434,7 +1434,7 @@
           <p:cNvPr id="7" name="灯片编号占位符 6">
             <a:extLst>
               <a:ext uri="{FF2B5EF4-FFF2-40B4-BE49-F238E27FC236}">
-                <a16:creationId xmlns:a16="http://schemas.microsoft.com/office/drawing/2014/main" id="{994E880F-0500-4AB2-1C79-442381690CEA}"/>
+                <a16:creationId xmlns:a16="http://schemas.microsoft.com/office/drawing/2014/main" id="{20482297-690E-F969-973A-B267796B709A}"/>
               </a:ext>
             </a:extLst>
           </p:cNvPr>
@@ -1450,7 +1450,7 @@
           <a:bodyPr/>
           <a:lstStyle/>
           <a:p>
-            <a:fld id="{9F540931-1D7B-46A7-BDCC-68162BF643A1}" type="slidenum">
+            <a:fld id="{67BA9074-347D-4A42-9126-DC09D1B2951B}" type="slidenum">
               <a:rPr lang="zh-CN" altLang="en-US" smtClean="0"/>
               <a:t>‹#›</a:t>
             </a:fld>
@@ -1461,7 +1461,7 @@
     </p:spTree>
     <p:extLst>
       <p:ext uri="{BB962C8B-B14F-4D97-AF65-F5344CB8AC3E}">
-        <p14:creationId xmlns:p14="http://schemas.microsoft.com/office/powerpoint/2010/main" val="689932692"/>
+        <p14:creationId xmlns:p14="http://schemas.microsoft.com/office/powerpoint/2010/main" val="2585563687"/>
       </p:ext>
     </p:extLst>
   </p:cSld>
@@ -1493,7 +1493,7 @@
           <p:cNvPr id="2" name="标题 1">
             <a:extLst>
               <a:ext uri="{FF2B5EF4-FFF2-40B4-BE49-F238E27FC236}">
-                <a16:creationId xmlns:a16="http://schemas.microsoft.com/office/drawing/2014/main" id="{9E2CEF0F-534F-17F5-B6E8-6FD856A3BC1B}"/>
+                <a16:creationId xmlns:a16="http://schemas.microsoft.com/office/drawing/2014/main" id="{9F28BF2B-F9BA-B8E8-848D-3FE60794B117}"/>
               </a:ext>
             </a:extLst>
           </p:cNvPr>
@@ -1526,7 +1526,7 @@
           <p:cNvPr id="3" name="文本占位符 2">
             <a:extLst>
               <a:ext uri="{FF2B5EF4-FFF2-40B4-BE49-F238E27FC236}">
-                <a16:creationId xmlns:a16="http://schemas.microsoft.com/office/drawing/2014/main" id="{B40B7F16-53A2-EAA9-9534-81C373B11D38}"/>
+                <a16:creationId xmlns:a16="http://schemas.microsoft.com/office/drawing/2014/main" id="{FFE2A7AE-E75D-07D9-5A2E-43D07A6202E4}"/>
               </a:ext>
             </a:extLst>
           </p:cNvPr>
@@ -1597,7 +1597,7 @@
           <p:cNvPr id="4" name="内容占位符 3">
             <a:extLst>
               <a:ext uri="{FF2B5EF4-FFF2-40B4-BE49-F238E27FC236}">
-                <a16:creationId xmlns:a16="http://schemas.microsoft.com/office/drawing/2014/main" id="{D77D606D-FCD5-BA95-6C69-48C73F26B184}"/>
+                <a16:creationId xmlns:a16="http://schemas.microsoft.com/office/drawing/2014/main" id="{818F75AD-1BE3-2EBE-D628-EA68460ED326}"/>
               </a:ext>
             </a:extLst>
           </p:cNvPr>
@@ -1659,7 +1659,7 @@
           <p:cNvPr id="5" name="文本占位符 4">
             <a:extLst>
               <a:ext uri="{FF2B5EF4-FFF2-40B4-BE49-F238E27FC236}">
-                <a16:creationId xmlns:a16="http://schemas.microsoft.com/office/drawing/2014/main" id="{9B4D4599-0388-37CB-EC07-A562A6E6C5B0}"/>
+                <a16:creationId xmlns:a16="http://schemas.microsoft.com/office/drawing/2014/main" id="{37DA47C6-05AA-10A4-B179-F69091BA250F}"/>
               </a:ext>
             </a:extLst>
           </p:cNvPr>
@@ -1730,7 +1730,7 @@
           <p:cNvPr id="6" name="内容占位符 5">
             <a:extLst>
               <a:ext uri="{FF2B5EF4-FFF2-40B4-BE49-F238E27FC236}">
-                <a16:creationId xmlns:a16="http://schemas.microsoft.com/office/drawing/2014/main" id="{8F5BC6D1-BA05-F1FE-997B-227AA3D6FA05}"/>
+                <a16:creationId xmlns:a16="http://schemas.microsoft.com/office/drawing/2014/main" id="{C933DBAE-6260-4DFE-D2C6-244332D90980}"/>
               </a:ext>
             </a:extLst>
           </p:cNvPr>
@@ -1792,7 +1792,7 @@
           <p:cNvPr id="7" name="日期占位符 6">
             <a:extLst>
               <a:ext uri="{FF2B5EF4-FFF2-40B4-BE49-F238E27FC236}">
-                <a16:creationId xmlns:a16="http://schemas.microsoft.com/office/drawing/2014/main" id="{7B3D69A3-F295-066A-C98B-CAD24F510DAE}"/>
+                <a16:creationId xmlns:a16="http://schemas.microsoft.com/office/drawing/2014/main" id="{EFCF8C1E-BCCD-7898-AB16-D645A1C21CDF}"/>
               </a:ext>
             </a:extLst>
           </p:cNvPr>
@@ -1808,7 +1808,7 @@
           <a:bodyPr/>
           <a:lstStyle/>
           <a:p>
-            <a:fld id="{3E9D788A-E74C-40A6-94ED-F3D59C8B0DFD}" type="datetimeFigureOut">
+            <a:fld id="{6CEB75A4-5DF0-4199-B722-80A06F82A31A}" type="datetimeFigureOut">
               <a:rPr lang="zh-CN" altLang="en-US" smtClean="0"/>
               <a:t>2024/3/10</a:t>
             </a:fld>
@@ -1821,7 +1821,7 @@
           <p:cNvPr id="8" name="页脚占位符 7">
             <a:extLst>
               <a:ext uri="{FF2B5EF4-FFF2-40B4-BE49-F238E27FC236}">
-                <a16:creationId xmlns:a16="http://schemas.microsoft.com/office/drawing/2014/main" id="{7E34F5A8-6D74-EDAB-F5BB-D18B163B525B}"/>
+                <a16:creationId xmlns:a16="http://schemas.microsoft.com/office/drawing/2014/main" id="{D1FD8DE8-B5A4-5324-532F-B395FAFE93C8}"/>
               </a:ext>
             </a:extLst>
           </p:cNvPr>
@@ -1846,7 +1846,7 @@
           <p:cNvPr id="9" name="灯片编号占位符 8">
             <a:extLst>
               <a:ext uri="{FF2B5EF4-FFF2-40B4-BE49-F238E27FC236}">
-                <a16:creationId xmlns:a16="http://schemas.microsoft.com/office/drawing/2014/main" id="{904AA972-2166-0FD2-829E-98CE75703A3B}"/>
+                <a16:creationId xmlns:a16="http://schemas.microsoft.com/office/drawing/2014/main" id="{A051B6DB-949A-9D9E-C9E3-34D8EDF7C0A7}"/>
               </a:ext>
             </a:extLst>
           </p:cNvPr>
@@ -1862,7 +1862,7 @@
           <a:bodyPr/>
           <a:lstStyle/>
           <a:p>
-            <a:fld id="{9F540931-1D7B-46A7-BDCC-68162BF643A1}" type="slidenum">
+            <a:fld id="{67BA9074-347D-4A42-9126-DC09D1B2951B}" type="slidenum">
               <a:rPr lang="zh-CN" altLang="en-US" smtClean="0"/>
               <a:t>‹#›</a:t>
             </a:fld>
@@ -1873,7 +1873,7 @@
     </p:spTree>
     <p:extLst>
       <p:ext uri="{BB962C8B-B14F-4D97-AF65-F5344CB8AC3E}">
-        <p14:creationId xmlns:p14="http://schemas.microsoft.com/office/powerpoint/2010/main" val="2789305696"/>
+        <p14:creationId xmlns:p14="http://schemas.microsoft.com/office/powerpoint/2010/main" val="3871955212"/>
       </p:ext>
     </p:extLst>
   </p:cSld>
@@ -1905,7 +1905,7 @@
           <p:cNvPr id="2" name="标题 1">
             <a:extLst>
               <a:ext uri="{FF2B5EF4-FFF2-40B4-BE49-F238E27FC236}">
-                <a16:creationId xmlns:a16="http://schemas.microsoft.com/office/drawing/2014/main" id="{B856C258-D9ED-FBD4-A239-AB629C4359E0}"/>
+                <a16:creationId xmlns:a16="http://schemas.microsoft.com/office/drawing/2014/main" id="{D7A39D76-6EF0-834A-C27F-011EB4ED8A0D}"/>
               </a:ext>
             </a:extLst>
           </p:cNvPr>
@@ -1933,7 +1933,7 @@
           <p:cNvPr id="3" name="日期占位符 2">
             <a:extLst>
               <a:ext uri="{FF2B5EF4-FFF2-40B4-BE49-F238E27FC236}">
-                <a16:creationId xmlns:a16="http://schemas.microsoft.com/office/drawing/2014/main" id="{ECB00C79-5134-EDA3-B0DF-F68A5738A9FB}"/>
+                <a16:creationId xmlns:a16="http://schemas.microsoft.com/office/drawing/2014/main" id="{98E33835-66D0-FBBA-6B0D-C9E39862AE1A}"/>
               </a:ext>
             </a:extLst>
           </p:cNvPr>
@@ -1949,7 +1949,7 @@
           <a:bodyPr/>
           <a:lstStyle/>
           <a:p>
-            <a:fld id="{3E9D788A-E74C-40A6-94ED-F3D59C8B0DFD}" type="datetimeFigureOut">
+            <a:fld id="{6CEB75A4-5DF0-4199-B722-80A06F82A31A}" type="datetimeFigureOut">
               <a:rPr lang="zh-CN" altLang="en-US" smtClean="0"/>
               <a:t>2024/3/10</a:t>
             </a:fld>
@@ -1962,7 +1962,7 @@
           <p:cNvPr id="4" name="页脚占位符 3">
             <a:extLst>
               <a:ext uri="{FF2B5EF4-FFF2-40B4-BE49-F238E27FC236}">
-                <a16:creationId xmlns:a16="http://schemas.microsoft.com/office/drawing/2014/main" id="{25148831-E2F9-2B7A-4B69-120D7BF35E46}"/>
+                <a16:creationId xmlns:a16="http://schemas.microsoft.com/office/drawing/2014/main" id="{08D372B3-40A6-F7F2-F952-58F217FB5CE6}"/>
               </a:ext>
             </a:extLst>
           </p:cNvPr>
@@ -1987,7 +1987,7 @@
           <p:cNvPr id="5" name="灯片编号占位符 4">
             <a:extLst>
               <a:ext uri="{FF2B5EF4-FFF2-40B4-BE49-F238E27FC236}">
-                <a16:creationId xmlns:a16="http://schemas.microsoft.com/office/drawing/2014/main" id="{FCA31344-C63D-4249-096C-492339460278}"/>
+                <a16:creationId xmlns:a16="http://schemas.microsoft.com/office/drawing/2014/main" id="{B646EE5E-0C79-1EF7-59A3-42726AE1C44E}"/>
               </a:ext>
             </a:extLst>
           </p:cNvPr>
@@ -2003,7 +2003,7 @@
           <a:bodyPr/>
           <a:lstStyle/>
           <a:p>
-            <a:fld id="{9F540931-1D7B-46A7-BDCC-68162BF643A1}" type="slidenum">
+            <a:fld id="{67BA9074-347D-4A42-9126-DC09D1B2951B}" type="slidenum">
               <a:rPr lang="zh-CN" altLang="en-US" smtClean="0"/>
               <a:t>‹#›</a:t>
             </a:fld>
@@ -2014,7 +2014,7 @@
     </p:spTree>
     <p:extLst>
       <p:ext uri="{BB962C8B-B14F-4D97-AF65-F5344CB8AC3E}">
-        <p14:creationId xmlns:p14="http://schemas.microsoft.com/office/powerpoint/2010/main" val="1587192737"/>
+        <p14:creationId xmlns:p14="http://schemas.microsoft.com/office/powerpoint/2010/main" val="72908891"/>
       </p:ext>
     </p:extLst>
   </p:cSld>
@@ -2046,7 +2046,7 @@
           <p:cNvPr id="2" name="日期占位符 1">
             <a:extLst>
               <a:ext uri="{FF2B5EF4-FFF2-40B4-BE49-F238E27FC236}">
-                <a16:creationId xmlns:a16="http://schemas.microsoft.com/office/drawing/2014/main" id="{8256509E-4810-0945-31BF-DCE0B2CF5D34}"/>
+                <a16:creationId xmlns:a16="http://schemas.microsoft.com/office/drawing/2014/main" id="{7171E686-71DE-2794-A616-1A0DEE0EFEEA}"/>
               </a:ext>
             </a:extLst>
           </p:cNvPr>
@@ -2062,7 +2062,7 @@
           <a:bodyPr/>
           <a:lstStyle/>
           <a:p>
-            <a:fld id="{3E9D788A-E74C-40A6-94ED-F3D59C8B0DFD}" type="datetimeFigureOut">
+            <a:fld id="{6CEB75A4-5DF0-4199-B722-80A06F82A31A}" type="datetimeFigureOut">
               <a:rPr lang="zh-CN" altLang="en-US" smtClean="0"/>
               <a:t>2024/3/10</a:t>
             </a:fld>
@@ -2075,7 +2075,7 @@
           <p:cNvPr id="3" name="页脚占位符 2">
             <a:extLst>
               <a:ext uri="{FF2B5EF4-FFF2-40B4-BE49-F238E27FC236}">
-                <a16:creationId xmlns:a16="http://schemas.microsoft.com/office/drawing/2014/main" id="{AE99F482-07B5-C4F5-DE82-F06EAE620DB1}"/>
+                <a16:creationId xmlns:a16="http://schemas.microsoft.com/office/drawing/2014/main" id="{4B3823DA-8A09-90A8-2E9F-276EF6803EE9}"/>
               </a:ext>
             </a:extLst>
           </p:cNvPr>
@@ -2100,7 +2100,7 @@
           <p:cNvPr id="4" name="灯片编号占位符 3">
             <a:extLst>
               <a:ext uri="{FF2B5EF4-FFF2-40B4-BE49-F238E27FC236}">
-                <a16:creationId xmlns:a16="http://schemas.microsoft.com/office/drawing/2014/main" id="{EBDA56FC-E00F-10C8-9DA2-85525ED66606}"/>
+                <a16:creationId xmlns:a16="http://schemas.microsoft.com/office/drawing/2014/main" id="{A02F399E-AA94-D742-E1BC-BC6510126143}"/>
               </a:ext>
             </a:extLst>
           </p:cNvPr>
@@ -2116,7 +2116,7 @@
           <a:bodyPr/>
           <a:lstStyle/>
           <a:p>
-            <a:fld id="{9F540931-1D7B-46A7-BDCC-68162BF643A1}" type="slidenum">
+            <a:fld id="{67BA9074-347D-4A42-9126-DC09D1B2951B}" type="slidenum">
               <a:rPr lang="zh-CN" altLang="en-US" smtClean="0"/>
               <a:t>‹#›</a:t>
             </a:fld>
@@ -2127,7 +2127,7 @@
     </p:spTree>
     <p:extLst>
       <p:ext uri="{BB962C8B-B14F-4D97-AF65-F5344CB8AC3E}">
-        <p14:creationId xmlns:p14="http://schemas.microsoft.com/office/powerpoint/2010/main" val="3531025982"/>
+        <p14:creationId xmlns:p14="http://schemas.microsoft.com/office/powerpoint/2010/main" val="402062613"/>
       </p:ext>
     </p:extLst>
   </p:cSld>
@@ -2159,7 +2159,7 @@
           <p:cNvPr id="2" name="标题 1">
             <a:extLst>
               <a:ext uri="{FF2B5EF4-FFF2-40B4-BE49-F238E27FC236}">
-                <a16:creationId xmlns:a16="http://schemas.microsoft.com/office/drawing/2014/main" id="{A10AFFBF-E6B1-BA4F-328B-03318BF4F319}"/>
+                <a16:creationId xmlns:a16="http://schemas.microsoft.com/office/drawing/2014/main" id="{CFE16EF8-C8F1-1650-96EA-26CB7FFA28CC}"/>
               </a:ext>
             </a:extLst>
           </p:cNvPr>
@@ -2196,7 +2196,7 @@
           <p:cNvPr id="3" name="内容占位符 2">
             <a:extLst>
               <a:ext uri="{FF2B5EF4-FFF2-40B4-BE49-F238E27FC236}">
-                <a16:creationId xmlns:a16="http://schemas.microsoft.com/office/drawing/2014/main" id="{9B09CB1A-2B3A-1091-3B2E-A5E5A59A94D6}"/>
+                <a16:creationId xmlns:a16="http://schemas.microsoft.com/office/drawing/2014/main" id="{D6BB9D1F-2C15-3EDF-AC22-F60AA62FB34B}"/>
               </a:ext>
             </a:extLst>
           </p:cNvPr>
@@ -2286,7 +2286,7 @@
           <p:cNvPr id="4" name="文本占位符 3">
             <a:extLst>
               <a:ext uri="{FF2B5EF4-FFF2-40B4-BE49-F238E27FC236}">
-                <a16:creationId xmlns:a16="http://schemas.microsoft.com/office/drawing/2014/main" id="{7F251D90-5249-87C8-5429-763967BA9386}"/>
+                <a16:creationId xmlns:a16="http://schemas.microsoft.com/office/drawing/2014/main" id="{8FDB36B2-AAF1-BB55-F247-0473CDA9D2A0}"/>
               </a:ext>
             </a:extLst>
           </p:cNvPr>
@@ -2357,7 +2357,7 @@
           <p:cNvPr id="5" name="日期占位符 4">
             <a:extLst>
               <a:ext uri="{FF2B5EF4-FFF2-40B4-BE49-F238E27FC236}">
-                <a16:creationId xmlns:a16="http://schemas.microsoft.com/office/drawing/2014/main" id="{9BA627B3-7225-74D6-66FF-7715159EFDC5}"/>
+                <a16:creationId xmlns:a16="http://schemas.microsoft.com/office/drawing/2014/main" id="{8BB035A0-37C4-D4BC-9AA5-B7D7AEC46C3A}"/>
               </a:ext>
             </a:extLst>
           </p:cNvPr>
@@ -2373,7 +2373,7 @@
           <a:bodyPr/>
           <a:lstStyle/>
           <a:p>
-            <a:fld id="{3E9D788A-E74C-40A6-94ED-F3D59C8B0DFD}" type="datetimeFigureOut">
+            <a:fld id="{6CEB75A4-5DF0-4199-B722-80A06F82A31A}" type="datetimeFigureOut">
               <a:rPr lang="zh-CN" altLang="en-US" smtClean="0"/>
               <a:t>2024/3/10</a:t>
             </a:fld>
@@ -2386,7 +2386,7 @@
           <p:cNvPr id="6" name="页脚占位符 5">
             <a:extLst>
               <a:ext uri="{FF2B5EF4-FFF2-40B4-BE49-F238E27FC236}">
-                <a16:creationId xmlns:a16="http://schemas.microsoft.com/office/drawing/2014/main" id="{88AFDF09-16BE-8AB3-26A1-79B997B27758}"/>
+                <a16:creationId xmlns:a16="http://schemas.microsoft.com/office/drawing/2014/main" id="{FB5D9A0D-4403-938F-B2E5-DE170F152BCC}"/>
               </a:ext>
             </a:extLst>
           </p:cNvPr>
@@ -2411,7 +2411,7 @@
           <p:cNvPr id="7" name="灯片编号占位符 6">
             <a:extLst>
               <a:ext uri="{FF2B5EF4-FFF2-40B4-BE49-F238E27FC236}">
-                <a16:creationId xmlns:a16="http://schemas.microsoft.com/office/drawing/2014/main" id="{13F02811-DA6D-05B9-8207-216FFC354B62}"/>
+                <a16:creationId xmlns:a16="http://schemas.microsoft.com/office/drawing/2014/main" id="{3192DCAF-630A-1A4C-F187-AB687192FBA6}"/>
               </a:ext>
             </a:extLst>
           </p:cNvPr>
@@ -2427,7 +2427,7 @@
           <a:bodyPr/>
           <a:lstStyle/>
           <a:p>
-            <a:fld id="{9F540931-1D7B-46A7-BDCC-68162BF643A1}" type="slidenum">
+            <a:fld id="{67BA9074-347D-4A42-9126-DC09D1B2951B}" type="slidenum">
               <a:rPr lang="zh-CN" altLang="en-US" smtClean="0"/>
               <a:t>‹#›</a:t>
             </a:fld>
@@ -2438,7 +2438,7 @@
     </p:spTree>
     <p:extLst>
       <p:ext uri="{BB962C8B-B14F-4D97-AF65-F5344CB8AC3E}">
-        <p14:creationId xmlns:p14="http://schemas.microsoft.com/office/powerpoint/2010/main" val="974207603"/>
+        <p14:creationId xmlns:p14="http://schemas.microsoft.com/office/powerpoint/2010/main" val="3940116076"/>
       </p:ext>
     </p:extLst>
   </p:cSld>
@@ -2470,7 +2470,7 @@
           <p:cNvPr id="2" name="标题 1">
             <a:extLst>
               <a:ext uri="{FF2B5EF4-FFF2-40B4-BE49-F238E27FC236}">
-                <a16:creationId xmlns:a16="http://schemas.microsoft.com/office/drawing/2014/main" id="{C668E72E-ABF0-25DD-515B-ED17BC49C698}"/>
+                <a16:creationId xmlns:a16="http://schemas.microsoft.com/office/drawing/2014/main" id="{302473A4-B5B4-87AC-F396-579F334748B9}"/>
               </a:ext>
             </a:extLst>
           </p:cNvPr>
@@ -2507,7 +2507,7 @@
           <p:cNvPr id="3" name="图片占位符 2">
             <a:extLst>
               <a:ext uri="{FF2B5EF4-FFF2-40B4-BE49-F238E27FC236}">
-                <a16:creationId xmlns:a16="http://schemas.microsoft.com/office/drawing/2014/main" id="{23FA9C66-9EAD-FA4A-0937-B677A80FE0E9}"/>
+                <a16:creationId xmlns:a16="http://schemas.microsoft.com/office/drawing/2014/main" id="{5EE3FFDB-D7DD-672B-602F-C93CD9E7419A}"/>
               </a:ext>
             </a:extLst>
           </p:cNvPr>
@@ -2574,7 +2574,7 @@
           <p:cNvPr id="4" name="文本占位符 3">
             <a:extLst>
               <a:ext uri="{FF2B5EF4-FFF2-40B4-BE49-F238E27FC236}">
-                <a16:creationId xmlns:a16="http://schemas.microsoft.com/office/drawing/2014/main" id="{4E8D2C9C-F177-B802-2A5E-BABC716C836C}"/>
+                <a16:creationId xmlns:a16="http://schemas.microsoft.com/office/drawing/2014/main" id="{2E372C85-13AC-7EA2-90E6-9F8AE9FC777B}"/>
               </a:ext>
             </a:extLst>
           </p:cNvPr>
@@ -2645,7 +2645,7 @@
           <p:cNvPr id="5" name="日期占位符 4">
             <a:extLst>
               <a:ext uri="{FF2B5EF4-FFF2-40B4-BE49-F238E27FC236}">
-                <a16:creationId xmlns:a16="http://schemas.microsoft.com/office/drawing/2014/main" id="{AE17059D-2E8F-55F6-57F5-D356A6700A40}"/>
+                <a16:creationId xmlns:a16="http://schemas.microsoft.com/office/drawing/2014/main" id="{CD8A1902-05F4-653E-D52C-8592FECD3EB4}"/>
               </a:ext>
             </a:extLst>
           </p:cNvPr>
@@ -2661,7 +2661,7 @@
           <a:bodyPr/>
           <a:lstStyle/>
           <a:p>
-            <a:fld id="{3E9D788A-E74C-40A6-94ED-F3D59C8B0DFD}" type="datetimeFigureOut">
+            <a:fld id="{6CEB75A4-5DF0-4199-B722-80A06F82A31A}" type="datetimeFigureOut">
               <a:rPr lang="zh-CN" altLang="en-US" smtClean="0"/>
               <a:t>2024/3/10</a:t>
             </a:fld>
@@ -2674,7 +2674,7 @@
           <p:cNvPr id="6" name="页脚占位符 5">
             <a:extLst>
               <a:ext uri="{FF2B5EF4-FFF2-40B4-BE49-F238E27FC236}">
-                <a16:creationId xmlns:a16="http://schemas.microsoft.com/office/drawing/2014/main" id="{7C38A92E-49DD-44C5-5E44-3544E62AFCF6}"/>
+                <a16:creationId xmlns:a16="http://schemas.microsoft.com/office/drawing/2014/main" id="{BAE69DA4-3BA8-7EA5-08B5-493BD557EC84}"/>
               </a:ext>
             </a:extLst>
           </p:cNvPr>
@@ -2699,7 +2699,7 @@
           <p:cNvPr id="7" name="灯片编号占位符 6">
             <a:extLst>
               <a:ext uri="{FF2B5EF4-FFF2-40B4-BE49-F238E27FC236}">
-                <a16:creationId xmlns:a16="http://schemas.microsoft.com/office/drawing/2014/main" id="{4EF168B3-AD56-DF43-6A4E-105DA9A6039A}"/>
+                <a16:creationId xmlns:a16="http://schemas.microsoft.com/office/drawing/2014/main" id="{DE5FA209-25F0-C54E-25AE-DAE8BBDC33FF}"/>
               </a:ext>
             </a:extLst>
           </p:cNvPr>
@@ -2715,7 +2715,7 @@
           <a:bodyPr/>
           <a:lstStyle/>
           <a:p>
-            <a:fld id="{9F540931-1D7B-46A7-BDCC-68162BF643A1}" type="slidenum">
+            <a:fld id="{67BA9074-347D-4A42-9126-DC09D1B2951B}" type="slidenum">
               <a:rPr lang="zh-CN" altLang="en-US" smtClean="0"/>
               <a:t>‹#›</a:t>
             </a:fld>
@@ -2726,7 +2726,7 @@
     </p:spTree>
     <p:extLst>
       <p:ext uri="{BB962C8B-B14F-4D97-AF65-F5344CB8AC3E}">
-        <p14:creationId xmlns:p14="http://schemas.microsoft.com/office/powerpoint/2010/main" val="1530872006"/>
+        <p14:creationId xmlns:p14="http://schemas.microsoft.com/office/powerpoint/2010/main" val="1330825817"/>
       </p:ext>
     </p:extLst>
   </p:cSld>
@@ -2763,7 +2763,7 @@
           <p:cNvPr id="2" name="标题占位符 1">
             <a:extLst>
               <a:ext uri="{FF2B5EF4-FFF2-40B4-BE49-F238E27FC236}">
-                <a16:creationId xmlns:a16="http://schemas.microsoft.com/office/drawing/2014/main" id="{238D77B2-3C78-4C2F-96ED-8E338514CD6E}"/>
+                <a16:creationId xmlns:a16="http://schemas.microsoft.com/office/drawing/2014/main" id="{6EBBEA57-D2C0-5208-7975-22890FC5CFC3}"/>
               </a:ext>
             </a:extLst>
           </p:cNvPr>
@@ -2801,7 +2801,7 @@
           <p:cNvPr id="3" name="文本占位符 2">
             <a:extLst>
               <a:ext uri="{FF2B5EF4-FFF2-40B4-BE49-F238E27FC236}">
-                <a16:creationId xmlns:a16="http://schemas.microsoft.com/office/drawing/2014/main" id="{8FDDEF9E-CA46-DCC7-D953-AC5DAD735DEE}"/>
+                <a16:creationId xmlns:a16="http://schemas.microsoft.com/office/drawing/2014/main" id="{4898C599-22DE-CC5E-2C11-6F84D5F72DE1}"/>
               </a:ext>
             </a:extLst>
           </p:cNvPr>
@@ -2868,7 +2868,7 @@
           <p:cNvPr id="4" name="日期占位符 3">
             <a:extLst>
               <a:ext uri="{FF2B5EF4-FFF2-40B4-BE49-F238E27FC236}">
-                <a16:creationId xmlns:a16="http://schemas.microsoft.com/office/drawing/2014/main" id="{838A63BF-C635-B8D4-55DB-BC413D3AF1DB}"/>
+                <a16:creationId xmlns:a16="http://schemas.microsoft.com/office/drawing/2014/main" id="{89C1F3AE-2E24-0BAA-CFCD-1B2A0737F6AA}"/>
               </a:ext>
             </a:extLst>
           </p:cNvPr>
@@ -2902,7 +2902,7 @@
             </a:lvl1pPr>
           </a:lstStyle>
           <a:p>
-            <a:fld id="{3E9D788A-E74C-40A6-94ED-F3D59C8B0DFD}" type="datetimeFigureOut">
+            <a:fld id="{6CEB75A4-5DF0-4199-B722-80A06F82A31A}" type="datetimeFigureOut">
               <a:rPr lang="zh-CN" altLang="en-US" smtClean="0"/>
               <a:t>2024/3/10</a:t>
             </a:fld>
@@ -2915,7 +2915,7 @@
           <p:cNvPr id="5" name="页脚占位符 4">
             <a:extLst>
               <a:ext uri="{FF2B5EF4-FFF2-40B4-BE49-F238E27FC236}">
-                <a16:creationId xmlns:a16="http://schemas.microsoft.com/office/drawing/2014/main" id="{4745D672-F857-D579-C710-5FFEE73BF0D1}"/>
+                <a16:creationId xmlns:a16="http://schemas.microsoft.com/office/drawing/2014/main" id="{ED84627E-182D-7E62-36EE-D1723D670761}"/>
               </a:ext>
             </a:extLst>
           </p:cNvPr>
@@ -2958,7 +2958,7 @@
           <p:cNvPr id="6" name="灯片编号占位符 5">
             <a:extLst>
               <a:ext uri="{FF2B5EF4-FFF2-40B4-BE49-F238E27FC236}">
-                <a16:creationId xmlns:a16="http://schemas.microsoft.com/office/drawing/2014/main" id="{357DA2C7-F679-8861-95FF-A76F3035FD4F}"/>
+                <a16:creationId xmlns:a16="http://schemas.microsoft.com/office/drawing/2014/main" id="{2CEDEAB9-9788-DF47-3C35-1DA52FEA4E2C}"/>
               </a:ext>
             </a:extLst>
           </p:cNvPr>
@@ -2992,7 +2992,7 @@
             </a:lvl1pPr>
           </a:lstStyle>
           <a:p>
-            <a:fld id="{9F540931-1D7B-46A7-BDCC-68162BF643A1}" type="slidenum">
+            <a:fld id="{67BA9074-347D-4A42-9126-DC09D1B2951B}" type="slidenum">
               <a:rPr lang="zh-CN" altLang="en-US" smtClean="0"/>
               <a:t>‹#›</a:t>
             </a:fld>
@@ -3003,7 +3003,7 @@
     </p:spTree>
     <p:extLst>
       <p:ext uri="{BB962C8B-B14F-4D97-AF65-F5344CB8AC3E}">
-        <p14:creationId xmlns:p14="http://schemas.microsoft.com/office/powerpoint/2010/main" val="2917407693"/>
+        <p14:creationId xmlns:p14="http://schemas.microsoft.com/office/powerpoint/2010/main" val="3161095572"/>
       </p:ext>
     </p:extLst>
   </p:cSld>
